--- a/binary-search-tree-06/תרגול 6.pptx
+++ b/binary-search-tree-06/תרגול 6.pptx
@@ -213,7 +213,7 @@
           <a:p>
             <a:fld id="{C267593B-B963-47D8-A2A4-BA759CBCEAC5}" type="datetimeFigureOut">
               <a:rPr lang="en-US" smtClean="0"/>
-              <a:t>1/2/2024</a:t>
+              <a:t>1/3/2024</a:t>
             </a:fld>
             <a:endParaRPr lang="en-US"/>
           </a:p>
@@ -1803,7 +1803,7 @@
           <a:p>
             <a:fld id="{9FBD9C55-7868-4FF1-8666-2EC1F88A96B2}" type="datetimeFigureOut">
               <a:rPr lang="he-IL" smtClean="0"/>
-              <a:t>כ"א/טבת/תשפ"ד</a:t>
+              <a:t>כ"ב/טבת/תשפ"ד</a:t>
             </a:fld>
             <a:endParaRPr lang="he-IL"/>
           </a:p>
@@ -2001,7 +2001,7 @@
           <a:p>
             <a:fld id="{9FBD9C55-7868-4FF1-8666-2EC1F88A96B2}" type="datetimeFigureOut">
               <a:rPr lang="he-IL" smtClean="0"/>
-              <a:t>כ"א/טבת/תשפ"ד</a:t>
+              <a:t>כ"ב/טבת/תשפ"ד</a:t>
             </a:fld>
             <a:endParaRPr lang="he-IL"/>
           </a:p>
@@ -2209,7 +2209,7 @@
           <a:p>
             <a:fld id="{9FBD9C55-7868-4FF1-8666-2EC1F88A96B2}" type="datetimeFigureOut">
               <a:rPr lang="he-IL" smtClean="0"/>
-              <a:t>כ"א/טבת/תשפ"ד</a:t>
+              <a:t>כ"ב/טבת/תשפ"ד</a:t>
             </a:fld>
             <a:endParaRPr lang="he-IL"/>
           </a:p>
@@ -2407,7 +2407,7 @@
           <a:p>
             <a:fld id="{9FBD9C55-7868-4FF1-8666-2EC1F88A96B2}" type="datetimeFigureOut">
               <a:rPr lang="he-IL" smtClean="0"/>
-              <a:t>כ"א/טבת/תשפ"ד</a:t>
+              <a:t>כ"ב/טבת/תשפ"ד</a:t>
             </a:fld>
             <a:endParaRPr lang="he-IL"/>
           </a:p>
@@ -2682,7 +2682,7 @@
           <a:p>
             <a:fld id="{9FBD9C55-7868-4FF1-8666-2EC1F88A96B2}" type="datetimeFigureOut">
               <a:rPr lang="he-IL" smtClean="0"/>
-              <a:t>כ"א/טבת/תשפ"ד</a:t>
+              <a:t>כ"ב/טבת/תשפ"ד</a:t>
             </a:fld>
             <a:endParaRPr lang="he-IL"/>
           </a:p>
@@ -2947,7 +2947,7 @@
           <a:p>
             <a:fld id="{9FBD9C55-7868-4FF1-8666-2EC1F88A96B2}" type="datetimeFigureOut">
               <a:rPr lang="he-IL" smtClean="0"/>
-              <a:t>כ"א/טבת/תשפ"ד</a:t>
+              <a:t>כ"ב/טבת/תשפ"ד</a:t>
             </a:fld>
             <a:endParaRPr lang="he-IL"/>
           </a:p>
@@ -3359,7 +3359,7 @@
           <a:p>
             <a:fld id="{9FBD9C55-7868-4FF1-8666-2EC1F88A96B2}" type="datetimeFigureOut">
               <a:rPr lang="he-IL" smtClean="0"/>
-              <a:t>כ"א/טבת/תשפ"ד</a:t>
+              <a:t>כ"ב/טבת/תשפ"ד</a:t>
             </a:fld>
             <a:endParaRPr lang="he-IL"/>
           </a:p>
@@ -3500,7 +3500,7 @@
           <a:p>
             <a:fld id="{9FBD9C55-7868-4FF1-8666-2EC1F88A96B2}" type="datetimeFigureOut">
               <a:rPr lang="he-IL" smtClean="0"/>
-              <a:t>כ"א/טבת/תשפ"ד</a:t>
+              <a:t>כ"ב/טבת/תשפ"ד</a:t>
             </a:fld>
             <a:endParaRPr lang="he-IL"/>
           </a:p>
@@ -3613,7 +3613,7 @@
           <a:p>
             <a:fld id="{9FBD9C55-7868-4FF1-8666-2EC1F88A96B2}" type="datetimeFigureOut">
               <a:rPr lang="he-IL" smtClean="0"/>
-              <a:t>כ"א/טבת/תשפ"ד</a:t>
+              <a:t>כ"ב/טבת/תשפ"ד</a:t>
             </a:fld>
             <a:endParaRPr lang="he-IL"/>
           </a:p>
@@ -3924,7 +3924,7 @@
           <a:p>
             <a:fld id="{9FBD9C55-7868-4FF1-8666-2EC1F88A96B2}" type="datetimeFigureOut">
               <a:rPr lang="he-IL" smtClean="0"/>
-              <a:t>כ"א/טבת/תשפ"ד</a:t>
+              <a:t>כ"ב/טבת/תשפ"ד</a:t>
             </a:fld>
             <a:endParaRPr lang="he-IL"/>
           </a:p>
@@ -4212,7 +4212,7 @@
           <a:p>
             <a:fld id="{9FBD9C55-7868-4FF1-8666-2EC1F88A96B2}" type="datetimeFigureOut">
               <a:rPr lang="he-IL" smtClean="0"/>
-              <a:t>כ"א/טבת/תשפ"ד</a:t>
+              <a:t>כ"ב/טבת/תשפ"ד</a:t>
             </a:fld>
             <a:endParaRPr lang="he-IL"/>
           </a:p>
@@ -4453,7 +4453,7 @@
           <a:p>
             <a:fld id="{9FBD9C55-7868-4FF1-8666-2EC1F88A96B2}" type="datetimeFigureOut">
               <a:rPr lang="he-IL" smtClean="0"/>
-              <a:t>כ"א/טבת/תשפ"ד</a:t>
+              <a:t>כ"ב/טבת/תשפ"ד</a:t>
             </a:fld>
             <a:endParaRPr lang="he-IL"/>
           </a:p>
@@ -6958,15 +6958,7 @@
             <a:pPr lvl="1" algn="l" rtl="0"/>
             <a:r>
               <a:rPr lang="en-US" sz="2400" dirty="0"/>
-              <a:t>If </a:t>
-            </a:r>
-            <a:r>
-              <a:rPr lang="en-US" sz="2400" dirty="0"/>
-              <a:t>root is null</a:t>
-            </a:r>
-            <a:r>
-              <a:rPr lang="en-US" sz="2400" dirty="0"/>
-              <a:t>: </a:t>
+              <a:t>If root is null: </a:t>
             </a:r>
             <a:r>
               <a:rPr lang="en-US" sz="1400" dirty="0" smtClean="0">
@@ -7007,15 +6999,7 @@
             </a:r>
             <a:r>
               <a:rPr lang="en-US" sz="2400" dirty="0"/>
-              <a:t> </a:t>
-            </a:r>
-            <a:r>
-              <a:rPr lang="en-US" sz="2400" dirty="0"/>
-              <a:t>= </a:t>
-            </a:r>
-            <a:r>
-              <a:rPr lang="en-US" sz="2400" dirty="0"/>
-              <a:t>root  </a:t>
+              <a:t> = root  </a:t>
             </a:r>
             <a:r>
               <a:rPr lang="en-US" sz="1400" dirty="0">
@@ -7037,11 +7021,7 @@
             <a:pPr lvl="1" algn="l" rtl="0"/>
             <a:r>
               <a:rPr lang="en-US" sz="2400" dirty="0"/>
-              <a:t>w</a:t>
-            </a:r>
-            <a:r>
-              <a:rPr lang="en-US" sz="2400" dirty="0"/>
-              <a:t>hile </a:t>
+              <a:t>while </a:t>
             </a:r>
             <a:r>
               <a:rPr lang="en-US" sz="2400" dirty="0" err="1"/>
@@ -7049,15 +7029,7 @@
             </a:r>
             <a:r>
               <a:rPr lang="en-US" sz="2400" dirty="0"/>
-              <a:t> is not null</a:t>
-            </a:r>
-            <a:r>
-              <a:rPr lang="en-US" sz="2400" dirty="0"/>
-              <a:t>: </a:t>
-            </a:r>
-            <a:r>
-              <a:rPr lang="en-US" sz="2400" dirty="0"/>
-              <a:t> </a:t>
+              <a:t> is not null:  </a:t>
             </a:r>
             <a:r>
               <a:rPr lang="en-US" sz="1400" dirty="0">
@@ -7087,15 +7059,7 @@
             </a:r>
             <a:r>
               <a:rPr lang="en-US" sz="2400" dirty="0"/>
-              <a:t> is equal to target</a:t>
-            </a:r>
-            <a:r>
-              <a:rPr lang="en-US" sz="2400" dirty="0"/>
-              <a:t>: </a:t>
-            </a:r>
-            <a:r>
-              <a:rPr lang="en-US" sz="2400" dirty="0"/>
-              <a:t> </a:t>
+              <a:t> is equal to target:  </a:t>
             </a:r>
             <a:r>
               <a:rPr lang="en-US" sz="1400" dirty="0">
@@ -7135,11 +7099,7 @@
             </a:r>
             <a:r>
               <a:rPr lang="en-US" sz="2400" dirty="0"/>
-              <a:t>If </a:t>
-            </a:r>
-            <a:r>
-              <a:rPr lang="en-US" sz="2400" dirty="0"/>
-              <a:t>target &gt; </a:t>
+              <a:t>If target &gt; </a:t>
             </a:r>
             <a:r>
               <a:rPr lang="en-US" sz="2400" dirty="0" err="1"/>
@@ -7172,11 +7132,7 @@
             </a:r>
             <a:r>
               <a:rPr lang="en-US" sz="2400" dirty="0"/>
-              <a:t> </a:t>
-            </a:r>
-            <a:r>
-              <a:rPr lang="en-US" sz="2400" dirty="0"/>
-              <a:t>= </a:t>
+              <a:t> = </a:t>
             </a:r>
             <a:r>
               <a:rPr lang="en-US" sz="2400" dirty="0" err="1"/>
@@ -8191,7 +8147,7 @@
         </p:nvSpPr>
         <p:spPr>
           <a:xfrm>
-            <a:off x="560832" y="2204635"/>
+            <a:off x="676947" y="2228323"/>
             <a:ext cx="10021824" cy="3508653"/>
           </a:xfrm>
           <a:prstGeom prst="rect">
@@ -8311,11 +8267,7 @@
             </a:r>
             <a:r>
               <a:rPr lang="en-US" sz="2400" dirty="0"/>
-              <a:t> </a:t>
-            </a:r>
-            <a:r>
-              <a:rPr lang="en-US" sz="2400" dirty="0"/>
-              <a:t>&amp;&amp; isBST1inBST2(</a:t>
+              <a:t> &amp;&amp; isBST1inBST2(</a:t>
             </a:r>
             <a:r>
               <a:rPr lang="en-US" sz="2400" dirty="0" err="1"/>
@@ -8323,11 +8275,7 @@
             </a:r>
             <a:r>
               <a:rPr lang="en-US" sz="2400" dirty="0"/>
-              <a:t>, y) &amp;&amp; </a:t>
-            </a:r>
-            <a:r>
-              <a:rPr lang="en-US" sz="2400" dirty="0"/>
-              <a:t>isBST1inBST2(</a:t>
+              <a:t>, y) &amp;&amp; isBST1inBST2(</a:t>
             </a:r>
             <a:r>
               <a:rPr lang="en-US" sz="2400" dirty="0" err="1"/>
@@ -10271,15 +10219,6 @@
               </a:rPr>
               <a:t>Binary Search Tree (BST)</a:t>
             </a:r>
-            <a:endParaRPr lang="en-US" sz="3200" u="sng" dirty="0">
-              <a:solidFill>
-                <a:schemeClr val="accent6">
-                  <a:lumMod val="50000"/>
-                </a:schemeClr>
-              </a:solidFill>
-              <a:latin typeface="Calibri" panose="020F0502020204030204" pitchFamily="34" charset="0"/>
-              <a:ea typeface="Calibri" panose="020F0502020204030204" pitchFamily="34" charset="0"/>
-            </a:endParaRPr>
           </a:p>
         </p:txBody>
       </p:sp>
@@ -10391,7 +10330,6 @@
               <a:rPr lang="en-US" dirty="0"/>
               <a:t>8</a:t>
             </a:r>
-            <a:endParaRPr lang="en-US" dirty="0"/>
           </a:p>
         </p:txBody>
       </p:sp>
@@ -10435,7 +10373,6 @@
               <a:rPr lang="en-US" dirty="0"/>
               <a:t>1</a:t>
             </a:r>
-            <a:endParaRPr lang="en-US" dirty="0"/>
           </a:p>
         </p:txBody>
       </p:sp>
@@ -11292,15 +11229,6 @@
               </a:rPr>
               <a:t>BST</a:t>
             </a:r>
-            <a:endParaRPr lang="en-US" sz="3200" u="sng" dirty="0">
-              <a:solidFill>
-                <a:schemeClr val="accent6">
-                  <a:lumMod val="50000"/>
-                </a:schemeClr>
-              </a:solidFill>
-              <a:latin typeface="Calibri" panose="020F0502020204030204" pitchFamily="34" charset="0"/>
-              <a:ea typeface="Calibri" panose="020F0502020204030204" pitchFamily="34" charset="0"/>
-            </a:endParaRPr>
           </a:p>
         </p:txBody>
       </p:sp>
@@ -13107,7 +13035,6 @@
               <a:rPr lang="en-US" dirty="0"/>
               <a:t>4</a:t>
             </a:r>
-            <a:endParaRPr lang="en-US" dirty="0"/>
           </a:p>
         </p:txBody>
       </p:sp>
@@ -13151,7 +13078,6 @@
               <a:rPr lang="en-US" dirty="0"/>
               <a:t>1</a:t>
             </a:r>
-            <a:endParaRPr lang="en-US" dirty="0"/>
           </a:p>
         </p:txBody>
       </p:sp>
@@ -14159,7 +14085,6 @@
               <a:rPr lang="en-US" dirty="0"/>
               <a:t>b</a:t>
             </a:r>
-            <a:endParaRPr lang="en-US" dirty="0"/>
           </a:p>
         </p:txBody>
       </p:sp>
@@ -14203,7 +14128,6 @@
               <a:rPr lang="en-US" dirty="0"/>
               <a:t>c</a:t>
             </a:r>
-            <a:endParaRPr lang="en-US" dirty="0"/>
           </a:p>
         </p:txBody>
       </p:sp>
@@ -16682,7 +16606,6 @@
               <a:rPr lang="en-US" dirty="0"/>
               <a:t>5</a:t>
             </a:r>
-            <a:endParaRPr lang="en-US" dirty="0"/>
           </a:p>
         </p:txBody>
       </p:sp>
@@ -16726,7 +16649,6 @@
               <a:rPr lang="en-US" dirty="0"/>
               <a:t>3</a:t>
             </a:r>
-            <a:endParaRPr lang="en-US" dirty="0"/>
           </a:p>
         </p:txBody>
       </p:sp>
@@ -16770,7 +16692,6 @@
               <a:rPr lang="en-US" dirty="0"/>
               <a:t>7</a:t>
             </a:r>
-            <a:endParaRPr lang="en-US" dirty="0"/>
           </a:p>
         </p:txBody>
       </p:sp>
@@ -16814,7 +16735,6 @@
               <a:rPr lang="en-US" dirty="0"/>
               <a:t>a</a:t>
             </a:r>
-            <a:endParaRPr lang="en-US" dirty="0"/>
           </a:p>
         </p:txBody>
       </p:sp>
@@ -17038,7 +16958,6 @@
               <a:rPr lang="en-US" dirty="0"/>
               <a:t>b</a:t>
             </a:r>
-            <a:endParaRPr lang="en-US" dirty="0"/>
           </a:p>
         </p:txBody>
       </p:sp>
@@ -17082,7 +17001,6 @@
               <a:rPr lang="en-US" dirty="0"/>
               <a:t>8</a:t>
             </a:r>
-            <a:endParaRPr lang="en-US" dirty="0"/>
           </a:p>
         </p:txBody>
       </p:sp>
@@ -17214,7 +17132,6 @@
               <a:rPr lang="en-US" dirty="0"/>
               <a:t>5</a:t>
             </a:r>
-            <a:endParaRPr lang="en-US" dirty="0"/>
           </a:p>
         </p:txBody>
       </p:sp>
@@ -18726,8 +18643,8 @@
         </p:nvSpPr>
         <p:spPr>
           <a:xfrm>
-            <a:off x="3287209" y="1330320"/>
-            <a:ext cx="8136556" cy="1200329"/>
+            <a:off x="2218944" y="2147184"/>
+            <a:ext cx="8136556" cy="1569660"/>
           </a:xfrm>
           <a:prstGeom prst="rect">
             <a:avLst/>
@@ -18741,14 +18658,14 @@
           <a:lstStyle/>
           <a:p>
             <a:r>
-              <a:rPr lang="he-IL" dirty="0"/>
+              <a:rPr lang="he-IL" sz="2400" dirty="0"/>
               <a:t>קיימות שלוש אפשרויות </a:t>
             </a:r>
             <a:r>
-              <a:rPr lang="he-IL" dirty="0" smtClean="0"/>
+              <a:rPr lang="he-IL" sz="2400" dirty="0" smtClean="0"/>
               <a:t>:</a:t>
             </a:r>
-            <a:endParaRPr lang="en-US" dirty="0" smtClean="0"/>
+            <a:endParaRPr lang="en-US" sz="2400" dirty="0" smtClean="0"/>
           </a:p>
           <a:p>
             <a:pPr marL="342900" indent="-342900">
@@ -18756,14 +18673,14 @@
               <a:buAutoNum type="arabicPeriod"/>
             </a:pPr>
             <a:r>
-              <a:rPr lang="he-IL" dirty="0"/>
+              <a:rPr lang="he-IL" sz="2400" dirty="0"/>
               <a:t>לאלמנט שמוחקים אין בנים </a:t>
             </a:r>
             <a:r>
-              <a:rPr lang="he-IL" dirty="0" smtClean="0"/>
+              <a:rPr lang="he-IL" sz="2400" dirty="0" smtClean="0"/>
               <a:t>.</a:t>
             </a:r>
-            <a:endParaRPr lang="en-US" dirty="0" smtClean="0"/>
+            <a:endParaRPr lang="en-US" sz="2400" dirty="0" smtClean="0"/>
           </a:p>
           <a:p>
             <a:pPr marL="342900" indent="-342900">
@@ -18771,14 +18688,14 @@
               <a:buAutoNum type="arabicPeriod"/>
             </a:pPr>
             <a:r>
-              <a:rPr lang="he-IL" dirty="0"/>
+              <a:rPr lang="he-IL" sz="2400" dirty="0"/>
               <a:t>לאלמנט שמחקים יש בן אחד </a:t>
             </a:r>
             <a:r>
-              <a:rPr lang="he-IL" dirty="0" smtClean="0"/>
+              <a:rPr lang="he-IL" sz="2400" dirty="0" smtClean="0"/>
               <a:t>.</a:t>
             </a:r>
-            <a:endParaRPr lang="en-US" dirty="0" smtClean="0"/>
+            <a:endParaRPr lang="en-US" sz="2400" dirty="0" smtClean="0"/>
           </a:p>
           <a:p>
             <a:pPr marL="342900" indent="-342900">
@@ -18786,10 +18703,10 @@
               <a:buAutoNum type="arabicPeriod"/>
             </a:pPr>
             <a:r>
-              <a:rPr lang="he-IL" dirty="0"/>
+              <a:rPr lang="he-IL" sz="2400" dirty="0"/>
               <a:t>לאלמנט שמוחקים יש שני בנים</a:t>
             </a:r>
-            <a:endParaRPr lang="en-US" sz="1400" dirty="0">
+            <a:endParaRPr lang="en-US" dirty="0">
               <a:latin typeface="Calibri" panose="020F0502020204030204" pitchFamily="34" charset="0"/>
               <a:ea typeface="Calibri" panose="020F0502020204030204" pitchFamily="34" charset="0"/>
             </a:endParaRPr>
